--- a/examples/naive_bayes/images/SMS_spam_text_example.pptx
+++ b/examples/naive_bayes/images/SMS_spam_text_example.pptx
@@ -104,6 +104,11 @@
       </a:defRPr>
     </a:lvl9pPr>
   </p:defaultTextStyle>
+  <p:extLst>
+    <p:ext uri="{EFAFB233-063F-42B5-8137-9DF3F51BA10A}">
+      <p15:sldGuideLst xmlns:p15="http://schemas.microsoft.com/office/powerpoint/2012/main"/>
+    </p:ext>
+  </p:extLst>
 </p:presentation>
 </file>
 
@@ -3335,8 +3340,8 @@
         </p:nvSpPr>
         <p:spPr>
           <a:xfrm>
-            <a:off x="2841171" y="2227106"/>
-            <a:ext cx="6096000" cy="923330"/>
+            <a:off x="4120242" y="2183562"/>
+            <a:ext cx="3951515" cy="1463151"/>
           </a:xfrm>
           <a:prstGeom prst="rect">
             <a:avLst/>
@@ -3357,7 +3362,7 @@
           </a:fontRef>
         </p:style>
         <p:txBody>
-          <a:bodyPr>
+          <a:bodyPr wrap="square">
             <a:spAutoFit/>
           </a:bodyPr>
           <a:lstStyle/>

--- a/examples/naive_bayes/images/SMS_spam_text_example.pptx
+++ b/examples/naive_bayes/images/SMS_spam_text_example.pptx
@@ -3340,8 +3340,8 @@
         </p:nvSpPr>
         <p:spPr>
           <a:xfrm>
-            <a:off x="4120242" y="2183562"/>
-            <a:ext cx="3951515" cy="1463151"/>
+            <a:off x="3053442" y="2505670"/>
+            <a:ext cx="5568044" cy="923330"/>
           </a:xfrm>
           <a:prstGeom prst="rect">
             <a:avLst/>

--- a/examples/naive_bayes/images/SMS_spam_text_example.pptx
+++ b/examples/naive_bayes/images/SMS_spam_text_example.pptx
@@ -3368,12 +3368,20 @@
           <a:lstStyle/>
           <a:p>
             <a:r>
+              <a:rPr lang="en-US" b="1" dirty="0">
+                <a:solidFill>
+                  <a:srgbClr val="C00000"/>
+                </a:solidFill>
+              </a:rPr>
+              <a:t>URGENT</a:t>
+            </a:r>
+            <a:r>
               <a:rPr lang="en-US" dirty="0">
                 <a:solidFill>
                   <a:schemeClr val="tx1"/>
                 </a:solidFill>
               </a:rPr>
-              <a:t>URGENT! We are trying to contact U. Todays draw shows that you have </a:t>
+              <a:t>! We are trying to contact U. Todays draw shows that you have </a:t>
             </a:r>
             <a:r>
               <a:rPr lang="en-US" b="1" dirty="0">
@@ -3405,7 +3413,23 @@
                   <a:schemeClr val="tx1"/>
                 </a:solidFill>
               </a:rPr>
-              <a:t> GUARANTEED. Call 090 5809 4507 from a landline. </a:t>
+              <a:t> </a:t>
+            </a:r>
+            <a:r>
+              <a:rPr lang="en-US" b="1" dirty="0">
+                <a:solidFill>
+                  <a:srgbClr val="C00000"/>
+                </a:solidFill>
+              </a:rPr>
+              <a:t>GUARANTEED</a:t>
+            </a:r>
+            <a:r>
+              <a:rPr lang="en-US" dirty="0">
+                <a:solidFill>
+                  <a:schemeClr val="tx1"/>
+                </a:solidFill>
+              </a:rPr>
+              <a:t>. Call 090 5809 4507 from a landline. </a:t>
             </a:r>
             <a:r>
               <a:rPr lang="en-US" b="1" dirty="0">
